--- a/others/Movie.pptx
+++ b/others/Movie.pptx
@@ -5,12 +5,13 @@
     <p:sldMasterId id="2147483648" r:id="rId1"/>
   </p:sldMasterIdLst>
   <p:sldIdLst>
-    <p:sldId id="256" r:id="rId2"/>
-    <p:sldId id="257" r:id="rId3"/>
-    <p:sldId id="258" r:id="rId4"/>
-    <p:sldId id="259" r:id="rId5"/>
-    <p:sldId id="260" r:id="rId6"/>
-    <p:sldId id="261" r:id="rId7"/>
+    <p:sldId id="262" r:id="rId2"/>
+    <p:sldId id="256" r:id="rId3"/>
+    <p:sldId id="257" r:id="rId4"/>
+    <p:sldId id="258" r:id="rId5"/>
+    <p:sldId id="259" r:id="rId6"/>
+    <p:sldId id="260" r:id="rId7"/>
+    <p:sldId id="261" r:id="rId8"/>
   </p:sldIdLst>
   <p:sldSz cx="12192000" cy="6858000"/>
   <p:notesSz cx="6858000" cy="9144000"/>
@@ -109,7 +110,33 @@
       </a:defRPr>
     </a:lvl9pPr>
   </p:defaultTextStyle>
+  <p:extLst>
+    <p:ext uri="{EFAFB233-063F-42B5-8137-9DF3F51BA10A}">
+      <p15:sldGuideLst xmlns:p15="http://schemas.microsoft.com/office/powerpoint/2012/main"/>
+    </p:ext>
+  </p:extLst>
 </p:presentation>
+</file>
+
+<file path=ppt/changesInfos/changesInfo1.xml><?xml version="1.0" encoding="utf-8"?>
+<pc:chgInfo xmlns:a="http://schemas.openxmlformats.org/drawingml/2006/main" xmlns:r="http://schemas.openxmlformats.org/officeDocument/2006/relationships" xmlns:ac="http://schemas.microsoft.com/office/drawing/2013/main/command" xmlns:pc="http://schemas.microsoft.com/office/powerpoint/2013/main/command">
+  <pc:docChgLst>
+    <pc:chgData name="sahil verma" userId="3e28da3049a3a775" providerId="LiveId" clId="{D7D5CEA3-950D-420D-9513-072988B428EA}"/>
+    <pc:docChg chg="addSld modSld sldOrd">
+      <pc:chgData name="sahil verma" userId="3e28da3049a3a775" providerId="LiveId" clId="{D7D5CEA3-950D-420D-9513-072988B428EA}" dt="2024-12-06T03:50:54.210" v="2"/>
+      <pc:docMkLst>
+        <pc:docMk/>
+      </pc:docMkLst>
+      <pc:sldChg chg="new ord">
+        <pc:chgData name="sahil verma" userId="3e28da3049a3a775" providerId="LiveId" clId="{D7D5CEA3-950D-420D-9513-072988B428EA}" dt="2024-12-06T03:50:54.210" v="2"/>
+        <pc:sldMkLst>
+          <pc:docMk/>
+          <pc:sldMk cId="449435085" sldId="262"/>
+        </pc:sldMkLst>
+      </pc:sldChg>
+    </pc:docChg>
+  </pc:docChgLst>
+</pc:chgInfo>
 </file>
 
 <file path=ppt/slideLayouts/slideLayout1.xml><?xml version="1.0" encoding="utf-8"?>
@@ -261,7 +288,7 @@
           <a:p>
             <a:fld id="{DB4508F7-22F3-4787-B4CE-BACFFA6B2D58}" type="datetimeFigureOut">
               <a:rPr lang="en-IN" smtClean="0"/>
-              <a:t>12-11-2024</a:t>
+              <a:t>06-12-2024</a:t>
             </a:fld>
             <a:endParaRPr lang="en-IN"/>
           </a:p>
@@ -461,7 +488,7 @@
           <a:p>
             <a:fld id="{DB4508F7-22F3-4787-B4CE-BACFFA6B2D58}" type="datetimeFigureOut">
               <a:rPr lang="en-IN" smtClean="0"/>
-              <a:t>12-11-2024</a:t>
+              <a:t>06-12-2024</a:t>
             </a:fld>
             <a:endParaRPr lang="en-IN"/>
           </a:p>
@@ -671,7 +698,7 @@
           <a:p>
             <a:fld id="{DB4508F7-22F3-4787-B4CE-BACFFA6B2D58}" type="datetimeFigureOut">
               <a:rPr lang="en-IN" smtClean="0"/>
-              <a:t>12-11-2024</a:t>
+              <a:t>06-12-2024</a:t>
             </a:fld>
             <a:endParaRPr lang="en-IN"/>
           </a:p>
@@ -871,7 +898,7 @@
           <a:p>
             <a:fld id="{DB4508F7-22F3-4787-B4CE-BACFFA6B2D58}" type="datetimeFigureOut">
               <a:rPr lang="en-IN" smtClean="0"/>
-              <a:t>12-11-2024</a:t>
+              <a:t>06-12-2024</a:t>
             </a:fld>
             <a:endParaRPr lang="en-IN"/>
           </a:p>
@@ -1147,7 +1174,7 @@
           <a:p>
             <a:fld id="{DB4508F7-22F3-4787-B4CE-BACFFA6B2D58}" type="datetimeFigureOut">
               <a:rPr lang="en-IN" smtClean="0"/>
-              <a:t>12-11-2024</a:t>
+              <a:t>06-12-2024</a:t>
             </a:fld>
             <a:endParaRPr lang="en-IN"/>
           </a:p>
@@ -1415,7 +1442,7 @@
           <a:p>
             <a:fld id="{DB4508F7-22F3-4787-B4CE-BACFFA6B2D58}" type="datetimeFigureOut">
               <a:rPr lang="en-IN" smtClean="0"/>
-              <a:t>12-11-2024</a:t>
+              <a:t>06-12-2024</a:t>
             </a:fld>
             <a:endParaRPr lang="en-IN"/>
           </a:p>
@@ -1830,7 +1857,7 @@
           <a:p>
             <a:fld id="{DB4508F7-22F3-4787-B4CE-BACFFA6B2D58}" type="datetimeFigureOut">
               <a:rPr lang="en-IN" smtClean="0"/>
-              <a:t>12-11-2024</a:t>
+              <a:t>06-12-2024</a:t>
             </a:fld>
             <a:endParaRPr lang="en-IN"/>
           </a:p>
@@ -1972,7 +1999,7 @@
           <a:p>
             <a:fld id="{DB4508F7-22F3-4787-B4CE-BACFFA6B2D58}" type="datetimeFigureOut">
               <a:rPr lang="en-IN" smtClean="0"/>
-              <a:t>12-11-2024</a:t>
+              <a:t>06-12-2024</a:t>
             </a:fld>
             <a:endParaRPr lang="en-IN"/>
           </a:p>
@@ -2085,7 +2112,7 @@
           <a:p>
             <a:fld id="{DB4508F7-22F3-4787-B4CE-BACFFA6B2D58}" type="datetimeFigureOut">
               <a:rPr lang="en-IN" smtClean="0"/>
-              <a:t>12-11-2024</a:t>
+              <a:t>06-12-2024</a:t>
             </a:fld>
             <a:endParaRPr lang="en-IN"/>
           </a:p>
@@ -2398,7 +2425,7 @@
           <a:p>
             <a:fld id="{DB4508F7-22F3-4787-B4CE-BACFFA6B2D58}" type="datetimeFigureOut">
               <a:rPr lang="en-IN" smtClean="0"/>
-              <a:t>12-11-2024</a:t>
+              <a:t>06-12-2024</a:t>
             </a:fld>
             <a:endParaRPr lang="en-IN"/>
           </a:p>
@@ -2687,7 +2714,7 @@
           <a:p>
             <a:fld id="{DB4508F7-22F3-4787-B4CE-BACFFA6B2D58}" type="datetimeFigureOut">
               <a:rPr lang="en-IN" smtClean="0"/>
-              <a:t>12-11-2024</a:t>
+              <a:t>06-12-2024</a:t>
             </a:fld>
             <a:endParaRPr lang="en-IN"/>
           </a:p>
@@ -2930,7 +2957,7 @@
           <a:p>
             <a:fld id="{DB4508F7-22F3-4787-B4CE-BACFFA6B2D58}" type="datetimeFigureOut">
               <a:rPr lang="en-IN" smtClean="0"/>
-              <a:t>12-11-2024</a:t>
+              <a:t>06-12-2024</a:t>
             </a:fld>
             <a:endParaRPr lang="en-IN"/>
           </a:p>
@@ -3347,6 +3374,36 @@
           <a:chExt cx="0" cy="0"/>
         </a:xfrm>
       </p:grpSpPr>
+    </p:spTree>
+    <p:extLst>
+      <p:ext uri="{BB962C8B-B14F-4D97-AF65-F5344CB8AC3E}">
+        <p14:creationId xmlns:p14="http://schemas.microsoft.com/office/powerpoint/2010/main" val="449435085"/>
+      </p:ext>
+    </p:extLst>
+  </p:cSld>
+  <p:clrMapOvr>
+    <a:masterClrMapping/>
+  </p:clrMapOvr>
+</p:sld>
+</file>
+
+<file path=ppt/slides/slide2.xml><?xml version="1.0" encoding="utf-8"?>
+<p:sld xmlns:a="http://schemas.openxmlformats.org/drawingml/2006/main" xmlns:r="http://schemas.openxmlformats.org/officeDocument/2006/relationships" xmlns:p="http://schemas.openxmlformats.org/presentationml/2006/main">
+  <p:cSld>
+    <p:spTree>
+      <p:nvGrpSpPr>
+        <p:cNvPr id="1" name=""/>
+        <p:cNvGrpSpPr/>
+        <p:nvPr/>
+      </p:nvGrpSpPr>
+      <p:grpSpPr>
+        <a:xfrm>
+          <a:off x="0" y="0"/>
+          <a:ext cx="0" cy="0"/>
+          <a:chOff x="0" y="0"/>
+          <a:chExt cx="0" cy="0"/>
+        </a:xfrm>
+      </p:grpSpPr>
       <p:sp>
         <p:nvSpPr>
           <p:cNvPr id="2" name="Title 1">
@@ -3457,7 +3514,7 @@
 </p:sld>
 </file>
 
-<file path=ppt/slides/slide2.xml><?xml version="1.0" encoding="utf-8"?>
+<file path=ppt/slides/slide3.xml><?xml version="1.0" encoding="utf-8"?>
 <p:sld xmlns:a="http://schemas.openxmlformats.org/drawingml/2006/main" xmlns:r="http://schemas.openxmlformats.org/officeDocument/2006/relationships" xmlns:p="http://schemas.openxmlformats.org/presentationml/2006/main">
   <p:cSld>
     <p:spTree>
@@ -3766,7 +3823,7 @@
 </p:sld>
 </file>
 
-<file path=ppt/slides/slide3.xml><?xml version="1.0" encoding="utf-8"?>
+<file path=ppt/slides/slide4.xml><?xml version="1.0" encoding="utf-8"?>
 <p:sld xmlns:a="http://schemas.openxmlformats.org/drawingml/2006/main" xmlns:r="http://schemas.openxmlformats.org/officeDocument/2006/relationships" xmlns:p="http://schemas.openxmlformats.org/presentationml/2006/main">
   <p:cSld>
     <p:spTree>
@@ -3941,7 +3998,7 @@
 </p:sld>
 </file>
 
-<file path=ppt/slides/slide4.xml><?xml version="1.0" encoding="utf-8"?>
+<file path=ppt/slides/slide5.xml><?xml version="1.0" encoding="utf-8"?>
 <p:sld xmlns:a="http://schemas.openxmlformats.org/drawingml/2006/main" xmlns:r="http://schemas.openxmlformats.org/officeDocument/2006/relationships" xmlns:p="http://schemas.openxmlformats.org/presentationml/2006/main">
   <p:cSld>
     <p:spTree>
@@ -4289,7 +4346,7 @@
 </p:sld>
 </file>
 
-<file path=ppt/slides/slide5.xml><?xml version="1.0" encoding="utf-8"?>
+<file path=ppt/slides/slide6.xml><?xml version="1.0" encoding="utf-8"?>
 <p:sld xmlns:a="http://schemas.openxmlformats.org/drawingml/2006/main" xmlns:r="http://schemas.openxmlformats.org/officeDocument/2006/relationships" xmlns:p="http://schemas.openxmlformats.org/presentationml/2006/main">
   <p:cSld>
     <p:spTree>
@@ -4557,7 +4614,7 @@
 </p:sld>
 </file>
 
-<file path=ppt/slides/slide6.xml><?xml version="1.0" encoding="utf-8"?>
+<file path=ppt/slides/slide7.xml><?xml version="1.0" encoding="utf-8"?>
 <p:sld xmlns:a="http://schemas.openxmlformats.org/drawingml/2006/main" xmlns:r="http://schemas.openxmlformats.org/officeDocument/2006/relationships" xmlns:p="http://schemas.openxmlformats.org/presentationml/2006/main">
   <p:cSld>
     <p:spTree>
